--- a/Cyber/Code Security Tokenizer and Knowledge Graph (Mod1).pptx
+++ b/Cyber/Code Security Tokenizer and Knowledge Graph (Mod1).pptx
@@ -240,7 +240,7 @@
               <a:rPr lang="en-US" smtClean="0">
                 <a:latin typeface="Arial" panose="020B0604020202020204" pitchFamily="34" charset="0"/>
               </a:rPr>
-              <a:t>2/25/2020</a:t>
+              <a:t>2/27/2020</a:t>
             </a:fld>
             <a:endParaRPr lang="en-US">
               <a:latin typeface="Arial" panose="020B0604020202020204" pitchFamily="34" charset="0"/>
@@ -418,7 +418,7 @@
             <a:fld id="{D39D084F-DC83-4EB0-8CED-52E9AA3ECA1C}" type="datetimeFigureOut">
               <a:rPr lang="en-US" smtClean="0"/>
               <a:pPr/>
-              <a:t>2/25/2020</a:t>
+              <a:t>2/27/2020</a:t>
             </a:fld>
             <a:endParaRPr lang="en-US"/>
           </a:p>
@@ -10545,7 +10545,15 @@
             <a:pPr algn="ctr"/>
             <a:r>
               <a:rPr lang="en-US" sz="900" dirty="0"/>
-              <a:t>New instance for each layer, taking care to define out-of-value (OOV) identifiers for the current level to be used in the next child detailed level in the code hierarchy</a:t>
+              <a:t>New instance for each layer, taking care to </a:t>
+            </a:r>
+            <a:r>
+              <a:rPr lang="en-US" sz="900"/>
+              <a:t>define out-of-vocabulary </a:t>
+            </a:r>
+            <a:r>
+              <a:rPr lang="en-US" sz="900" dirty="0"/>
+              <a:t>(OOV) identifiers for the current level to be used in the next child detailed level in the code hierarchy</a:t>
             </a:r>
           </a:p>
           <a:p>
@@ -15415,6 +15423,21 @@
 </file>
 
 <file path=customXml/item1.xml><?xml version="1.0" encoding="utf-8"?>
+<p:properties xmlns:p="http://schemas.microsoft.com/office/2006/metadata/properties" xmlns:xsi="http://www.w3.org/2001/XMLSchema-instance" xmlns:pc="http://schemas.microsoft.com/office/infopath/2007/PartnerControls">
+  <documentManagement/>
+</p:properties>
+</file>
+
+<file path=customXml/item2.xml><?xml version="1.0" encoding="utf-8"?>
+<?mso-contentType ?>
+<FormTemplates xmlns="http://schemas.microsoft.com/sharepoint/v3/contenttype/forms">
+  <Display>DocumentLibraryForm</Display>
+  <Edit>DocumentLibraryForm</Edit>
+  <New>DocumentLibraryForm</New>
+</FormTemplates>
+</file>
+
+<file path=customXml/item3.xml><?xml version="1.0" encoding="utf-8"?>
 <ct:contentTypeSchema xmlns:ct="http://schemas.microsoft.com/office/2006/metadata/contentType" xmlns:ma="http://schemas.microsoft.com/office/2006/metadata/properties/metaAttributes" ct:_="" ma:_="" ma:contentTypeName="Document" ma:contentTypeID="0x0101007E68D9A9256FF84095EE8ABCB7C7D8F0" ma:contentTypeVersion="12" ma:contentTypeDescription="Create a new document." ma:contentTypeScope="" ma:versionID="171468a7d497134b95bcc29071f5ee80">
   <xsd:schema xmlns:xsd="http://www.w3.org/2001/XMLSchema" xmlns:xs="http://www.w3.org/2001/XMLSchema" xmlns:p="http://schemas.microsoft.com/office/2006/metadata/properties" xmlns:ns3="4db0edc2-78e4-4c26-9c10-b9f46bc270d3" xmlns:ns4="9683ae34-b51f-4213-9c1e-e6110d2edbf3" targetNamespace="http://schemas.microsoft.com/office/2006/metadata/properties" ma:root="true" ma:fieldsID="2d73fe137dc949d8233d98cba58e3299" ns3:_="" ns4:_="">
     <xsd:import namespace="4db0edc2-78e4-4c26-9c10-b9f46bc270d3"/>
@@ -15631,22 +15654,32 @@
 </ct:contentTypeSchema>
 </file>
 
-<file path=customXml/item2.xml><?xml version="1.0" encoding="utf-8"?>
-<?mso-contentType ?>
-<FormTemplates xmlns="http://schemas.microsoft.com/sharepoint/v3/contenttype/forms">
-  <Display>DocumentLibraryForm</Display>
-  <Edit>DocumentLibraryForm</Edit>
-  <New>DocumentLibraryForm</New>
-</FormTemplates>
+<file path=customXml/itemProps1.xml><?xml version="1.0" encoding="utf-8"?>
+<ds:datastoreItem xmlns:ds="http://schemas.openxmlformats.org/officeDocument/2006/customXml" ds:itemID="{25ED96F1-BE55-4F68-B5D0-2B03D8525228}">
+  <ds:schemaRefs>
+    <ds:schemaRef ds:uri="http://schemas.microsoft.com/office/2006/metadata/properties"/>
+    <ds:schemaRef ds:uri="http://purl.org/dc/terms/"/>
+    <ds:schemaRef ds:uri="4db0edc2-78e4-4c26-9c10-b9f46bc270d3"/>
+    <ds:schemaRef ds:uri="http://www.w3.org/XML/1998/namespace"/>
+    <ds:schemaRef ds:uri="http://schemas.microsoft.com/office/infopath/2007/PartnerControls"/>
+    <ds:schemaRef ds:uri="9683ae34-b51f-4213-9c1e-e6110d2edbf3"/>
+    <ds:schemaRef ds:uri="http://schemas.microsoft.com/office/2006/documentManagement/types"/>
+    <ds:schemaRef ds:uri="http://schemas.openxmlformats.org/package/2006/metadata/core-properties"/>
+    <ds:schemaRef ds:uri="http://purl.org/dc/dcmitype/"/>
+    <ds:schemaRef ds:uri="http://purl.org/dc/elements/1.1/"/>
+  </ds:schemaRefs>
+</ds:datastoreItem>
 </file>
 
-<file path=customXml/item3.xml><?xml version="1.0" encoding="utf-8"?>
-<p:properties xmlns:p="http://schemas.microsoft.com/office/2006/metadata/properties" xmlns:xsi="http://www.w3.org/2001/XMLSchema-instance" xmlns:pc="http://schemas.microsoft.com/office/infopath/2007/PartnerControls">
-  <documentManagement/>
-</p:properties>
+<file path=customXml/itemProps2.xml><?xml version="1.0" encoding="utf-8"?>
+<ds:datastoreItem xmlns:ds="http://schemas.openxmlformats.org/officeDocument/2006/customXml" ds:itemID="{EC5C08F6-755A-46FE-B44F-D11CE3E2AAA0}">
+  <ds:schemaRefs>
+    <ds:schemaRef ds:uri="http://schemas.microsoft.com/sharepoint/v3/contenttype/forms"/>
+  </ds:schemaRefs>
+</ds:datastoreItem>
 </file>
 
-<file path=customXml/itemProps1.xml><?xml version="1.0" encoding="utf-8"?>
+<file path=customXml/itemProps3.xml><?xml version="1.0" encoding="utf-8"?>
 <ds:datastoreItem xmlns:ds="http://schemas.openxmlformats.org/officeDocument/2006/customXml" ds:itemID="{CCC58DDD-96F7-4F17-A8A2-FFE526484F84}">
   <ds:schemaRefs>
     <ds:schemaRef ds:uri="http://schemas.microsoft.com/office/2006/metadata/contentType"/>
@@ -15663,29 +15696,4 @@
     <ds:schemaRef ds:uri="http://schemas.microsoft.com/internal/obd"/>
   </ds:schemaRefs>
 </ds:datastoreItem>
-</file>
-
-<file path=customXml/itemProps2.xml><?xml version="1.0" encoding="utf-8"?>
-<ds:datastoreItem xmlns:ds="http://schemas.openxmlformats.org/officeDocument/2006/customXml" ds:itemID="{EC5C08F6-755A-46FE-B44F-D11CE3E2AAA0}">
-  <ds:schemaRefs>
-    <ds:schemaRef ds:uri="http://schemas.microsoft.com/sharepoint/v3/contenttype/forms"/>
-  </ds:schemaRefs>
-</ds:datastoreItem>
-</file>
-
-<file path=customXml/itemProps3.xml><?xml version="1.0" encoding="utf-8"?>
-<ds:datastoreItem xmlns:ds="http://schemas.openxmlformats.org/officeDocument/2006/customXml" ds:itemID="{25ED96F1-BE55-4F68-B5D0-2B03D8525228}">
-  <ds:schemaRefs>
-    <ds:schemaRef ds:uri="http://schemas.microsoft.com/office/infopath/2007/PartnerControls"/>
-    <ds:schemaRef ds:uri="http://purl.org/dc/elements/1.1/"/>
-    <ds:schemaRef ds:uri="http://purl.org/dc/dcmitype/"/>
-    <ds:schemaRef ds:uri="http://purl.org/dc/terms/"/>
-    <ds:schemaRef ds:uri="http://schemas.microsoft.com/office/2006/metadata/properties"/>
-    <ds:schemaRef ds:uri="9683ae34-b51f-4213-9c1e-e6110d2edbf3"/>
-    <ds:schemaRef ds:uri="4db0edc2-78e4-4c26-9c10-b9f46bc270d3"/>
-    <ds:schemaRef ds:uri="http://schemas.microsoft.com/office/2006/documentManagement/types"/>
-    <ds:schemaRef ds:uri="http://schemas.openxmlformats.org/package/2006/metadata/core-properties"/>
-    <ds:schemaRef ds:uri="http://www.w3.org/XML/1998/namespace"/>
-  </ds:schemaRefs>
-</ds:datastoreItem>
 </file>